--- a/ppt 16-9/0241.他背着十字架.pptx
+++ b/ppt 16-9/0241.他背着十字架.pptx
@@ -129,7 +129,7 @@
           <p:cNvPr id="2" name="标题 1">
             <a:extLst>
               <a:ext uri="{FF2B5EF4-FFF2-40B4-BE49-F238E27FC236}">
-                <a16:creationId xmlns:a16="http://schemas.microsoft.com/office/drawing/2014/main" id="{72A8DA48-3BF2-BA41-6D33-8020A3893F5D}"/>
+                <a16:creationId xmlns:a16="http://schemas.microsoft.com/office/drawing/2014/main" id="{4D8B908F-75DA-E870-67DB-03F915D7FD0E}"/>
               </a:ext>
             </a:extLst>
           </p:cNvPr>
@@ -166,7 +166,7 @@
           <p:cNvPr id="3" name="副标题 2">
             <a:extLst>
               <a:ext uri="{FF2B5EF4-FFF2-40B4-BE49-F238E27FC236}">
-                <a16:creationId xmlns:a16="http://schemas.microsoft.com/office/drawing/2014/main" id="{70606D91-4F0A-8BE7-99E3-1C34F8E08E71}"/>
+                <a16:creationId xmlns:a16="http://schemas.microsoft.com/office/drawing/2014/main" id="{B7A87F61-9F2B-38BC-6271-FF920CFFA41B}"/>
               </a:ext>
             </a:extLst>
           </p:cNvPr>
@@ -236,7 +236,7 @@
           <p:cNvPr id="4" name="日期占位符 3">
             <a:extLst>
               <a:ext uri="{FF2B5EF4-FFF2-40B4-BE49-F238E27FC236}">
-                <a16:creationId xmlns:a16="http://schemas.microsoft.com/office/drawing/2014/main" id="{AC328A77-DF5F-1D66-9627-24896202B2AF}"/>
+                <a16:creationId xmlns:a16="http://schemas.microsoft.com/office/drawing/2014/main" id="{0C51DCE7-6E01-00E2-30CC-19AD3976AE7B}"/>
               </a:ext>
             </a:extLst>
           </p:cNvPr>
@@ -252,7 +252,7 @@
           <a:bodyPr/>
           <a:lstStyle/>
           <a:p>
-            <a:fld id="{6D244B19-B3D7-43DB-A334-6295B15DC812}" type="datetimeFigureOut">
+            <a:fld id="{20E80387-AA96-4737-AA8A-7B3E3AF98BED}" type="datetimeFigureOut">
               <a:rPr lang="zh-CN" altLang="en-US" smtClean="0"/>
               <a:t>2024/3/10</a:t>
             </a:fld>
@@ -265,7 +265,7 @@
           <p:cNvPr id="5" name="页脚占位符 4">
             <a:extLst>
               <a:ext uri="{FF2B5EF4-FFF2-40B4-BE49-F238E27FC236}">
-                <a16:creationId xmlns:a16="http://schemas.microsoft.com/office/drawing/2014/main" id="{AC29EE65-C2A7-8D4C-3A82-965249D88049}"/>
+                <a16:creationId xmlns:a16="http://schemas.microsoft.com/office/drawing/2014/main" id="{4E851CBF-9DCF-3938-1772-570A573CE9BB}"/>
               </a:ext>
             </a:extLst>
           </p:cNvPr>
@@ -290,7 +290,7 @@
           <p:cNvPr id="6" name="灯片编号占位符 5">
             <a:extLst>
               <a:ext uri="{FF2B5EF4-FFF2-40B4-BE49-F238E27FC236}">
-                <a16:creationId xmlns:a16="http://schemas.microsoft.com/office/drawing/2014/main" id="{5F357C1E-0E63-81AF-5232-338F57B33B29}"/>
+                <a16:creationId xmlns:a16="http://schemas.microsoft.com/office/drawing/2014/main" id="{59A5F997-3197-7C6F-FEDE-334879EE9C61}"/>
               </a:ext>
             </a:extLst>
           </p:cNvPr>
@@ -306,7 +306,7 @@
           <a:bodyPr/>
           <a:lstStyle/>
           <a:p>
-            <a:fld id="{34D09BDE-0D9C-4EBF-A954-450AC4B9FD87}" type="slidenum">
+            <a:fld id="{A7981518-0E9A-46FD-A02E-593A5BB1D7F2}" type="slidenum">
               <a:rPr lang="zh-CN" altLang="en-US" smtClean="0"/>
               <a:t>‹#›</a:t>
             </a:fld>
@@ -317,7 +317,7 @@
     </p:spTree>
     <p:extLst>
       <p:ext uri="{BB962C8B-B14F-4D97-AF65-F5344CB8AC3E}">
-        <p14:creationId xmlns:p14="http://schemas.microsoft.com/office/powerpoint/2010/main" val="1122174986"/>
+        <p14:creationId xmlns:p14="http://schemas.microsoft.com/office/powerpoint/2010/main" val="3392022400"/>
       </p:ext>
     </p:extLst>
   </p:cSld>
@@ -349,7 +349,7 @@
           <p:cNvPr id="2" name="标题 1">
             <a:extLst>
               <a:ext uri="{FF2B5EF4-FFF2-40B4-BE49-F238E27FC236}">
-                <a16:creationId xmlns:a16="http://schemas.microsoft.com/office/drawing/2014/main" id="{0DC7386C-8901-467F-D794-FCF960188EBC}"/>
+                <a16:creationId xmlns:a16="http://schemas.microsoft.com/office/drawing/2014/main" id="{A6C38EEB-9239-3370-8759-5E0663923BB8}"/>
               </a:ext>
             </a:extLst>
           </p:cNvPr>
@@ -377,7 +377,7 @@
           <p:cNvPr id="3" name="竖排文字占位符 2">
             <a:extLst>
               <a:ext uri="{FF2B5EF4-FFF2-40B4-BE49-F238E27FC236}">
-                <a16:creationId xmlns:a16="http://schemas.microsoft.com/office/drawing/2014/main" id="{72AF3633-C7D2-7AB2-51D7-0F8A65B26CE7}"/>
+                <a16:creationId xmlns:a16="http://schemas.microsoft.com/office/drawing/2014/main" id="{26DE71AC-3ED4-70BF-280F-42D517A202EB}"/>
               </a:ext>
             </a:extLst>
           </p:cNvPr>
@@ -434,7 +434,7 @@
           <p:cNvPr id="4" name="日期占位符 3">
             <a:extLst>
               <a:ext uri="{FF2B5EF4-FFF2-40B4-BE49-F238E27FC236}">
-                <a16:creationId xmlns:a16="http://schemas.microsoft.com/office/drawing/2014/main" id="{B9367845-1472-38C6-C4F4-E62F9C131F79}"/>
+                <a16:creationId xmlns:a16="http://schemas.microsoft.com/office/drawing/2014/main" id="{400106AF-0298-CC01-7C9D-D35BC2E864A7}"/>
               </a:ext>
             </a:extLst>
           </p:cNvPr>
@@ -450,7 +450,7 @@
           <a:bodyPr/>
           <a:lstStyle/>
           <a:p>
-            <a:fld id="{6D244B19-B3D7-43DB-A334-6295B15DC812}" type="datetimeFigureOut">
+            <a:fld id="{20E80387-AA96-4737-AA8A-7B3E3AF98BED}" type="datetimeFigureOut">
               <a:rPr lang="zh-CN" altLang="en-US" smtClean="0"/>
               <a:t>2024/3/10</a:t>
             </a:fld>
@@ -463,7 +463,7 @@
           <p:cNvPr id="5" name="页脚占位符 4">
             <a:extLst>
               <a:ext uri="{FF2B5EF4-FFF2-40B4-BE49-F238E27FC236}">
-                <a16:creationId xmlns:a16="http://schemas.microsoft.com/office/drawing/2014/main" id="{9B8C091C-19EC-34C0-61D8-297DBAD77240}"/>
+                <a16:creationId xmlns:a16="http://schemas.microsoft.com/office/drawing/2014/main" id="{69110916-2AB0-8A16-D2CE-2D7A35E3F62F}"/>
               </a:ext>
             </a:extLst>
           </p:cNvPr>
@@ -488,7 +488,7 @@
           <p:cNvPr id="6" name="灯片编号占位符 5">
             <a:extLst>
               <a:ext uri="{FF2B5EF4-FFF2-40B4-BE49-F238E27FC236}">
-                <a16:creationId xmlns:a16="http://schemas.microsoft.com/office/drawing/2014/main" id="{C42FD7AD-DB1B-5707-29DF-84593B81E2DC}"/>
+                <a16:creationId xmlns:a16="http://schemas.microsoft.com/office/drawing/2014/main" id="{D563BA52-010E-DD3A-FEB4-2E16EC9B4727}"/>
               </a:ext>
             </a:extLst>
           </p:cNvPr>
@@ -504,7 +504,7 @@
           <a:bodyPr/>
           <a:lstStyle/>
           <a:p>
-            <a:fld id="{34D09BDE-0D9C-4EBF-A954-450AC4B9FD87}" type="slidenum">
+            <a:fld id="{A7981518-0E9A-46FD-A02E-593A5BB1D7F2}" type="slidenum">
               <a:rPr lang="zh-CN" altLang="en-US" smtClean="0"/>
               <a:t>‹#›</a:t>
             </a:fld>
@@ -515,7 +515,7 @@
     </p:spTree>
     <p:extLst>
       <p:ext uri="{BB962C8B-B14F-4D97-AF65-F5344CB8AC3E}">
-        <p14:creationId xmlns:p14="http://schemas.microsoft.com/office/powerpoint/2010/main" val="3664254649"/>
+        <p14:creationId xmlns:p14="http://schemas.microsoft.com/office/powerpoint/2010/main" val="299936688"/>
       </p:ext>
     </p:extLst>
   </p:cSld>
@@ -547,7 +547,7 @@
           <p:cNvPr id="2" name="竖排标题 1">
             <a:extLst>
               <a:ext uri="{FF2B5EF4-FFF2-40B4-BE49-F238E27FC236}">
-                <a16:creationId xmlns:a16="http://schemas.microsoft.com/office/drawing/2014/main" id="{4EA52884-71AB-15F8-113E-24E3EEA53D3D}"/>
+                <a16:creationId xmlns:a16="http://schemas.microsoft.com/office/drawing/2014/main" id="{4DA8939B-7FC2-797B-6388-C6AA8B970FB5}"/>
               </a:ext>
             </a:extLst>
           </p:cNvPr>
@@ -580,7 +580,7 @@
           <p:cNvPr id="3" name="竖排文字占位符 2">
             <a:extLst>
               <a:ext uri="{FF2B5EF4-FFF2-40B4-BE49-F238E27FC236}">
-                <a16:creationId xmlns:a16="http://schemas.microsoft.com/office/drawing/2014/main" id="{BA4348BC-8C85-467E-E120-41A6BB6767F9}"/>
+                <a16:creationId xmlns:a16="http://schemas.microsoft.com/office/drawing/2014/main" id="{B29383CA-DE1C-EB8B-4AD5-5EF1C53B8344}"/>
               </a:ext>
             </a:extLst>
           </p:cNvPr>
@@ -642,7 +642,7 @@
           <p:cNvPr id="4" name="日期占位符 3">
             <a:extLst>
               <a:ext uri="{FF2B5EF4-FFF2-40B4-BE49-F238E27FC236}">
-                <a16:creationId xmlns:a16="http://schemas.microsoft.com/office/drawing/2014/main" id="{EC6A093D-1EC5-219F-CB6F-2626E62C91DB}"/>
+                <a16:creationId xmlns:a16="http://schemas.microsoft.com/office/drawing/2014/main" id="{E4CBFE38-E61A-AC10-9EE2-524A59D21EFD}"/>
               </a:ext>
             </a:extLst>
           </p:cNvPr>
@@ -658,7 +658,7 @@
           <a:bodyPr/>
           <a:lstStyle/>
           <a:p>
-            <a:fld id="{6D244B19-B3D7-43DB-A334-6295B15DC812}" type="datetimeFigureOut">
+            <a:fld id="{20E80387-AA96-4737-AA8A-7B3E3AF98BED}" type="datetimeFigureOut">
               <a:rPr lang="zh-CN" altLang="en-US" smtClean="0"/>
               <a:t>2024/3/10</a:t>
             </a:fld>
@@ -671,7 +671,7 @@
           <p:cNvPr id="5" name="页脚占位符 4">
             <a:extLst>
               <a:ext uri="{FF2B5EF4-FFF2-40B4-BE49-F238E27FC236}">
-                <a16:creationId xmlns:a16="http://schemas.microsoft.com/office/drawing/2014/main" id="{3E1666D3-6F31-63B5-C6B8-5F3C472635E3}"/>
+                <a16:creationId xmlns:a16="http://schemas.microsoft.com/office/drawing/2014/main" id="{0B3DAB7D-D6CE-FB25-3E87-E2302155CB08}"/>
               </a:ext>
             </a:extLst>
           </p:cNvPr>
@@ -696,7 +696,7 @@
           <p:cNvPr id="6" name="灯片编号占位符 5">
             <a:extLst>
               <a:ext uri="{FF2B5EF4-FFF2-40B4-BE49-F238E27FC236}">
-                <a16:creationId xmlns:a16="http://schemas.microsoft.com/office/drawing/2014/main" id="{18370C84-DFDB-0F95-2434-1A8D26A96B78}"/>
+                <a16:creationId xmlns:a16="http://schemas.microsoft.com/office/drawing/2014/main" id="{48401E4F-0D28-5BDB-0C0A-74EB84921B08}"/>
               </a:ext>
             </a:extLst>
           </p:cNvPr>
@@ -712,7 +712,7 @@
           <a:bodyPr/>
           <a:lstStyle/>
           <a:p>
-            <a:fld id="{34D09BDE-0D9C-4EBF-A954-450AC4B9FD87}" type="slidenum">
+            <a:fld id="{A7981518-0E9A-46FD-A02E-593A5BB1D7F2}" type="slidenum">
               <a:rPr lang="zh-CN" altLang="en-US" smtClean="0"/>
               <a:t>‹#›</a:t>
             </a:fld>
@@ -723,7 +723,7 @@
     </p:spTree>
     <p:extLst>
       <p:ext uri="{BB962C8B-B14F-4D97-AF65-F5344CB8AC3E}">
-        <p14:creationId xmlns:p14="http://schemas.microsoft.com/office/powerpoint/2010/main" val="4026615299"/>
+        <p14:creationId xmlns:p14="http://schemas.microsoft.com/office/powerpoint/2010/main" val="3363092505"/>
       </p:ext>
     </p:extLst>
   </p:cSld>
@@ -755,7 +755,7 @@
           <p:cNvPr id="2" name="标题 1">
             <a:extLst>
               <a:ext uri="{FF2B5EF4-FFF2-40B4-BE49-F238E27FC236}">
-                <a16:creationId xmlns:a16="http://schemas.microsoft.com/office/drawing/2014/main" id="{0877B5B6-44BE-E387-49D0-8A49B3507EE1}"/>
+                <a16:creationId xmlns:a16="http://schemas.microsoft.com/office/drawing/2014/main" id="{9C93548F-10CD-0A37-1D84-20C3942439C1}"/>
               </a:ext>
             </a:extLst>
           </p:cNvPr>
@@ -783,7 +783,7 @@
           <p:cNvPr id="3" name="内容占位符 2">
             <a:extLst>
               <a:ext uri="{FF2B5EF4-FFF2-40B4-BE49-F238E27FC236}">
-                <a16:creationId xmlns:a16="http://schemas.microsoft.com/office/drawing/2014/main" id="{55C50B18-28AB-7348-6C51-F06807003E6D}"/>
+                <a16:creationId xmlns:a16="http://schemas.microsoft.com/office/drawing/2014/main" id="{BC7F4AD2-5069-B857-921D-50FB047A2325}"/>
               </a:ext>
             </a:extLst>
           </p:cNvPr>
@@ -840,7 +840,7 @@
           <p:cNvPr id="4" name="日期占位符 3">
             <a:extLst>
               <a:ext uri="{FF2B5EF4-FFF2-40B4-BE49-F238E27FC236}">
-                <a16:creationId xmlns:a16="http://schemas.microsoft.com/office/drawing/2014/main" id="{38CA8792-78C4-C408-7E94-3539159ACE5C}"/>
+                <a16:creationId xmlns:a16="http://schemas.microsoft.com/office/drawing/2014/main" id="{6A6949D4-CC58-D40D-2DEE-AD3B976758C6}"/>
               </a:ext>
             </a:extLst>
           </p:cNvPr>
@@ -856,7 +856,7 @@
           <a:bodyPr/>
           <a:lstStyle/>
           <a:p>
-            <a:fld id="{6D244B19-B3D7-43DB-A334-6295B15DC812}" type="datetimeFigureOut">
+            <a:fld id="{20E80387-AA96-4737-AA8A-7B3E3AF98BED}" type="datetimeFigureOut">
               <a:rPr lang="zh-CN" altLang="en-US" smtClean="0"/>
               <a:t>2024/3/10</a:t>
             </a:fld>
@@ -869,7 +869,7 @@
           <p:cNvPr id="5" name="页脚占位符 4">
             <a:extLst>
               <a:ext uri="{FF2B5EF4-FFF2-40B4-BE49-F238E27FC236}">
-                <a16:creationId xmlns:a16="http://schemas.microsoft.com/office/drawing/2014/main" id="{BDD88216-BDAD-53C3-AA91-EE6FB23A86BD}"/>
+                <a16:creationId xmlns:a16="http://schemas.microsoft.com/office/drawing/2014/main" id="{AB522AF4-9E40-01D4-8D05-520582720E8E}"/>
               </a:ext>
             </a:extLst>
           </p:cNvPr>
@@ -894,7 +894,7 @@
           <p:cNvPr id="6" name="灯片编号占位符 5">
             <a:extLst>
               <a:ext uri="{FF2B5EF4-FFF2-40B4-BE49-F238E27FC236}">
-                <a16:creationId xmlns:a16="http://schemas.microsoft.com/office/drawing/2014/main" id="{4BBE2290-C094-B0DC-FDE6-C08C2A9010D1}"/>
+                <a16:creationId xmlns:a16="http://schemas.microsoft.com/office/drawing/2014/main" id="{2D39812C-D97F-6C4B-4ADC-EB0BF58D4947}"/>
               </a:ext>
             </a:extLst>
           </p:cNvPr>
@@ -910,7 +910,7 @@
           <a:bodyPr/>
           <a:lstStyle/>
           <a:p>
-            <a:fld id="{34D09BDE-0D9C-4EBF-A954-450AC4B9FD87}" type="slidenum">
+            <a:fld id="{A7981518-0E9A-46FD-A02E-593A5BB1D7F2}" type="slidenum">
               <a:rPr lang="zh-CN" altLang="en-US" smtClean="0"/>
               <a:t>‹#›</a:t>
             </a:fld>
@@ -921,7 +921,7 @@
     </p:spTree>
     <p:extLst>
       <p:ext uri="{BB962C8B-B14F-4D97-AF65-F5344CB8AC3E}">
-        <p14:creationId xmlns:p14="http://schemas.microsoft.com/office/powerpoint/2010/main" val="3352601136"/>
+        <p14:creationId xmlns:p14="http://schemas.microsoft.com/office/powerpoint/2010/main" val="671499111"/>
       </p:ext>
     </p:extLst>
   </p:cSld>
@@ -953,7 +953,7 @@
           <p:cNvPr id="2" name="标题 1">
             <a:extLst>
               <a:ext uri="{FF2B5EF4-FFF2-40B4-BE49-F238E27FC236}">
-                <a16:creationId xmlns:a16="http://schemas.microsoft.com/office/drawing/2014/main" id="{A9BAA02A-ECC8-0847-D4BC-9F3FFF2AA375}"/>
+                <a16:creationId xmlns:a16="http://schemas.microsoft.com/office/drawing/2014/main" id="{BD3580E0-1950-C224-9086-C9D7C86E3413}"/>
               </a:ext>
             </a:extLst>
           </p:cNvPr>
@@ -990,7 +990,7 @@
           <p:cNvPr id="3" name="文本占位符 2">
             <a:extLst>
               <a:ext uri="{FF2B5EF4-FFF2-40B4-BE49-F238E27FC236}">
-                <a16:creationId xmlns:a16="http://schemas.microsoft.com/office/drawing/2014/main" id="{FB9E7E5C-A168-3172-8B22-136989D62647}"/>
+                <a16:creationId xmlns:a16="http://schemas.microsoft.com/office/drawing/2014/main" id="{CF13391F-4603-DF8C-F18F-2A117D7B9B33}"/>
               </a:ext>
             </a:extLst>
           </p:cNvPr>
@@ -1115,7 +1115,7 @@
           <p:cNvPr id="4" name="日期占位符 3">
             <a:extLst>
               <a:ext uri="{FF2B5EF4-FFF2-40B4-BE49-F238E27FC236}">
-                <a16:creationId xmlns:a16="http://schemas.microsoft.com/office/drawing/2014/main" id="{F92400D8-008A-61DB-6FCA-151FCD182D32}"/>
+                <a16:creationId xmlns:a16="http://schemas.microsoft.com/office/drawing/2014/main" id="{594203D6-34EE-39A2-25D1-75B412C0FDC0}"/>
               </a:ext>
             </a:extLst>
           </p:cNvPr>
@@ -1131,7 +1131,7 @@
           <a:bodyPr/>
           <a:lstStyle/>
           <a:p>
-            <a:fld id="{6D244B19-B3D7-43DB-A334-6295B15DC812}" type="datetimeFigureOut">
+            <a:fld id="{20E80387-AA96-4737-AA8A-7B3E3AF98BED}" type="datetimeFigureOut">
               <a:rPr lang="zh-CN" altLang="en-US" smtClean="0"/>
               <a:t>2024/3/10</a:t>
             </a:fld>
@@ -1144,7 +1144,7 @@
           <p:cNvPr id="5" name="页脚占位符 4">
             <a:extLst>
               <a:ext uri="{FF2B5EF4-FFF2-40B4-BE49-F238E27FC236}">
-                <a16:creationId xmlns:a16="http://schemas.microsoft.com/office/drawing/2014/main" id="{AC35B8B3-ED90-11D8-4ADA-38655C22A0C7}"/>
+                <a16:creationId xmlns:a16="http://schemas.microsoft.com/office/drawing/2014/main" id="{F2302A29-2176-33CE-ED55-4803F2403E5B}"/>
               </a:ext>
             </a:extLst>
           </p:cNvPr>
@@ -1169,7 +1169,7 @@
           <p:cNvPr id="6" name="灯片编号占位符 5">
             <a:extLst>
               <a:ext uri="{FF2B5EF4-FFF2-40B4-BE49-F238E27FC236}">
-                <a16:creationId xmlns:a16="http://schemas.microsoft.com/office/drawing/2014/main" id="{30FAAA65-8440-EEAF-A7F8-4E2259A52FEB}"/>
+                <a16:creationId xmlns:a16="http://schemas.microsoft.com/office/drawing/2014/main" id="{D71D3463-E2F5-BB44-2154-418C8E063CB1}"/>
               </a:ext>
             </a:extLst>
           </p:cNvPr>
@@ -1185,7 +1185,7 @@
           <a:bodyPr/>
           <a:lstStyle/>
           <a:p>
-            <a:fld id="{34D09BDE-0D9C-4EBF-A954-450AC4B9FD87}" type="slidenum">
+            <a:fld id="{A7981518-0E9A-46FD-A02E-593A5BB1D7F2}" type="slidenum">
               <a:rPr lang="zh-CN" altLang="en-US" smtClean="0"/>
               <a:t>‹#›</a:t>
             </a:fld>
@@ -1196,7 +1196,7 @@
     </p:spTree>
     <p:extLst>
       <p:ext uri="{BB962C8B-B14F-4D97-AF65-F5344CB8AC3E}">
-        <p14:creationId xmlns:p14="http://schemas.microsoft.com/office/powerpoint/2010/main" val="1554665730"/>
+        <p14:creationId xmlns:p14="http://schemas.microsoft.com/office/powerpoint/2010/main" val="599033371"/>
       </p:ext>
     </p:extLst>
   </p:cSld>
@@ -1228,7 +1228,7 @@
           <p:cNvPr id="2" name="标题 1">
             <a:extLst>
               <a:ext uri="{FF2B5EF4-FFF2-40B4-BE49-F238E27FC236}">
-                <a16:creationId xmlns:a16="http://schemas.microsoft.com/office/drawing/2014/main" id="{3AB4497D-C127-119B-D422-7B83BE9B224B}"/>
+                <a16:creationId xmlns:a16="http://schemas.microsoft.com/office/drawing/2014/main" id="{9AAA96DA-392A-B27F-620C-6C45F462347C}"/>
               </a:ext>
             </a:extLst>
           </p:cNvPr>
@@ -1256,7 +1256,7 @@
           <p:cNvPr id="3" name="内容占位符 2">
             <a:extLst>
               <a:ext uri="{FF2B5EF4-FFF2-40B4-BE49-F238E27FC236}">
-                <a16:creationId xmlns:a16="http://schemas.microsoft.com/office/drawing/2014/main" id="{7CE630E0-D792-E936-929C-5B86EB338B3E}"/>
+                <a16:creationId xmlns:a16="http://schemas.microsoft.com/office/drawing/2014/main" id="{35A98DA8-C5C0-1A13-CD2C-A7CD635DE247}"/>
               </a:ext>
             </a:extLst>
           </p:cNvPr>
@@ -1318,7 +1318,7 @@
           <p:cNvPr id="4" name="内容占位符 3">
             <a:extLst>
               <a:ext uri="{FF2B5EF4-FFF2-40B4-BE49-F238E27FC236}">
-                <a16:creationId xmlns:a16="http://schemas.microsoft.com/office/drawing/2014/main" id="{E0F7C350-3F1B-246E-13F8-2F5661B5B86E}"/>
+                <a16:creationId xmlns:a16="http://schemas.microsoft.com/office/drawing/2014/main" id="{C091BA24-F647-36E2-BD14-50B59C0ECDF7}"/>
               </a:ext>
             </a:extLst>
           </p:cNvPr>
@@ -1380,7 +1380,7 @@
           <p:cNvPr id="5" name="日期占位符 4">
             <a:extLst>
               <a:ext uri="{FF2B5EF4-FFF2-40B4-BE49-F238E27FC236}">
-                <a16:creationId xmlns:a16="http://schemas.microsoft.com/office/drawing/2014/main" id="{9B0F3620-CBDC-EB9C-262F-A993500CF2C3}"/>
+                <a16:creationId xmlns:a16="http://schemas.microsoft.com/office/drawing/2014/main" id="{B79FD1D6-DCCA-5622-DC69-879108EBEC88}"/>
               </a:ext>
             </a:extLst>
           </p:cNvPr>
@@ -1396,7 +1396,7 @@
           <a:bodyPr/>
           <a:lstStyle/>
           <a:p>
-            <a:fld id="{6D244B19-B3D7-43DB-A334-6295B15DC812}" type="datetimeFigureOut">
+            <a:fld id="{20E80387-AA96-4737-AA8A-7B3E3AF98BED}" type="datetimeFigureOut">
               <a:rPr lang="zh-CN" altLang="en-US" smtClean="0"/>
               <a:t>2024/3/10</a:t>
             </a:fld>
@@ -1409,7 +1409,7 @@
           <p:cNvPr id="6" name="页脚占位符 5">
             <a:extLst>
               <a:ext uri="{FF2B5EF4-FFF2-40B4-BE49-F238E27FC236}">
-                <a16:creationId xmlns:a16="http://schemas.microsoft.com/office/drawing/2014/main" id="{47141C0E-7AE8-798A-BC16-C1E38519C7F8}"/>
+                <a16:creationId xmlns:a16="http://schemas.microsoft.com/office/drawing/2014/main" id="{27C4CFF3-D87C-BAB2-8676-70246A76BC0A}"/>
               </a:ext>
             </a:extLst>
           </p:cNvPr>
@@ -1434,7 +1434,7 @@
           <p:cNvPr id="7" name="灯片编号占位符 6">
             <a:extLst>
               <a:ext uri="{FF2B5EF4-FFF2-40B4-BE49-F238E27FC236}">
-                <a16:creationId xmlns:a16="http://schemas.microsoft.com/office/drawing/2014/main" id="{146C14FD-E395-F28C-7D2B-79DE93C2047B}"/>
+                <a16:creationId xmlns:a16="http://schemas.microsoft.com/office/drawing/2014/main" id="{B9F759FE-3479-A402-40DE-F9683330543C}"/>
               </a:ext>
             </a:extLst>
           </p:cNvPr>
@@ -1450,7 +1450,7 @@
           <a:bodyPr/>
           <a:lstStyle/>
           <a:p>
-            <a:fld id="{34D09BDE-0D9C-4EBF-A954-450AC4B9FD87}" type="slidenum">
+            <a:fld id="{A7981518-0E9A-46FD-A02E-593A5BB1D7F2}" type="slidenum">
               <a:rPr lang="zh-CN" altLang="en-US" smtClean="0"/>
               <a:t>‹#›</a:t>
             </a:fld>
@@ -1461,7 +1461,7 @@
     </p:spTree>
     <p:extLst>
       <p:ext uri="{BB962C8B-B14F-4D97-AF65-F5344CB8AC3E}">
-        <p14:creationId xmlns:p14="http://schemas.microsoft.com/office/powerpoint/2010/main" val="16059600"/>
+        <p14:creationId xmlns:p14="http://schemas.microsoft.com/office/powerpoint/2010/main" val="3058700523"/>
       </p:ext>
     </p:extLst>
   </p:cSld>
@@ -1493,7 +1493,7 @@
           <p:cNvPr id="2" name="标题 1">
             <a:extLst>
               <a:ext uri="{FF2B5EF4-FFF2-40B4-BE49-F238E27FC236}">
-                <a16:creationId xmlns:a16="http://schemas.microsoft.com/office/drawing/2014/main" id="{A8CEF04B-5147-A216-2C9E-816779EEEF3F}"/>
+                <a16:creationId xmlns:a16="http://schemas.microsoft.com/office/drawing/2014/main" id="{27F69A30-F9BD-5A56-D7F8-0C0A4986C7A2}"/>
               </a:ext>
             </a:extLst>
           </p:cNvPr>
@@ -1526,7 +1526,7 @@
           <p:cNvPr id="3" name="文本占位符 2">
             <a:extLst>
               <a:ext uri="{FF2B5EF4-FFF2-40B4-BE49-F238E27FC236}">
-                <a16:creationId xmlns:a16="http://schemas.microsoft.com/office/drawing/2014/main" id="{65AD8D27-D984-1D14-BC84-F66D1F6B7CAF}"/>
+                <a16:creationId xmlns:a16="http://schemas.microsoft.com/office/drawing/2014/main" id="{8F19FFC4-AFC7-5E83-C242-E4FB513EBF1F}"/>
               </a:ext>
             </a:extLst>
           </p:cNvPr>
@@ -1597,7 +1597,7 @@
           <p:cNvPr id="4" name="内容占位符 3">
             <a:extLst>
               <a:ext uri="{FF2B5EF4-FFF2-40B4-BE49-F238E27FC236}">
-                <a16:creationId xmlns:a16="http://schemas.microsoft.com/office/drawing/2014/main" id="{BB83B73C-C183-A14C-DF64-F2E0116F353E}"/>
+                <a16:creationId xmlns:a16="http://schemas.microsoft.com/office/drawing/2014/main" id="{B603E7D2-3FA3-FFA2-0999-2166024A2CB8}"/>
               </a:ext>
             </a:extLst>
           </p:cNvPr>
@@ -1659,7 +1659,7 @@
           <p:cNvPr id="5" name="文本占位符 4">
             <a:extLst>
               <a:ext uri="{FF2B5EF4-FFF2-40B4-BE49-F238E27FC236}">
-                <a16:creationId xmlns:a16="http://schemas.microsoft.com/office/drawing/2014/main" id="{E52F87E5-7542-F681-B142-D9DBD2268AC2}"/>
+                <a16:creationId xmlns:a16="http://schemas.microsoft.com/office/drawing/2014/main" id="{8ADFF406-9ABB-9CD5-7BFE-B5012B9DBF0D}"/>
               </a:ext>
             </a:extLst>
           </p:cNvPr>
@@ -1730,7 +1730,7 @@
           <p:cNvPr id="6" name="内容占位符 5">
             <a:extLst>
               <a:ext uri="{FF2B5EF4-FFF2-40B4-BE49-F238E27FC236}">
-                <a16:creationId xmlns:a16="http://schemas.microsoft.com/office/drawing/2014/main" id="{1B4D957D-C4F3-B9B2-16DE-FDE1F495CA2D}"/>
+                <a16:creationId xmlns:a16="http://schemas.microsoft.com/office/drawing/2014/main" id="{965BD6AA-DE28-F9BF-314A-AE92A21599B4}"/>
               </a:ext>
             </a:extLst>
           </p:cNvPr>
@@ -1792,7 +1792,7 @@
           <p:cNvPr id="7" name="日期占位符 6">
             <a:extLst>
               <a:ext uri="{FF2B5EF4-FFF2-40B4-BE49-F238E27FC236}">
-                <a16:creationId xmlns:a16="http://schemas.microsoft.com/office/drawing/2014/main" id="{B21B1D99-0F09-F943-CBEC-851E16973D88}"/>
+                <a16:creationId xmlns:a16="http://schemas.microsoft.com/office/drawing/2014/main" id="{6B16AE4D-5ED5-4FC0-1D60-7A5B3B8DA490}"/>
               </a:ext>
             </a:extLst>
           </p:cNvPr>
@@ -1808,7 +1808,7 @@
           <a:bodyPr/>
           <a:lstStyle/>
           <a:p>
-            <a:fld id="{6D244B19-B3D7-43DB-A334-6295B15DC812}" type="datetimeFigureOut">
+            <a:fld id="{20E80387-AA96-4737-AA8A-7B3E3AF98BED}" type="datetimeFigureOut">
               <a:rPr lang="zh-CN" altLang="en-US" smtClean="0"/>
               <a:t>2024/3/10</a:t>
             </a:fld>
@@ -1821,7 +1821,7 @@
           <p:cNvPr id="8" name="页脚占位符 7">
             <a:extLst>
               <a:ext uri="{FF2B5EF4-FFF2-40B4-BE49-F238E27FC236}">
-                <a16:creationId xmlns:a16="http://schemas.microsoft.com/office/drawing/2014/main" id="{1B4E47D5-173A-BBE4-9553-F1CA5E4E9E88}"/>
+                <a16:creationId xmlns:a16="http://schemas.microsoft.com/office/drawing/2014/main" id="{80A5F289-AFE5-42EC-6AD4-DB51F1941ABE}"/>
               </a:ext>
             </a:extLst>
           </p:cNvPr>
@@ -1846,7 +1846,7 @@
           <p:cNvPr id="9" name="灯片编号占位符 8">
             <a:extLst>
               <a:ext uri="{FF2B5EF4-FFF2-40B4-BE49-F238E27FC236}">
-                <a16:creationId xmlns:a16="http://schemas.microsoft.com/office/drawing/2014/main" id="{75D19A2D-AE8F-F003-5A5F-BE2BE97DD377}"/>
+                <a16:creationId xmlns:a16="http://schemas.microsoft.com/office/drawing/2014/main" id="{053E675A-E83A-FF66-E296-453F70CC84B6}"/>
               </a:ext>
             </a:extLst>
           </p:cNvPr>
@@ -1862,7 +1862,7 @@
           <a:bodyPr/>
           <a:lstStyle/>
           <a:p>
-            <a:fld id="{34D09BDE-0D9C-4EBF-A954-450AC4B9FD87}" type="slidenum">
+            <a:fld id="{A7981518-0E9A-46FD-A02E-593A5BB1D7F2}" type="slidenum">
               <a:rPr lang="zh-CN" altLang="en-US" smtClean="0"/>
               <a:t>‹#›</a:t>
             </a:fld>
@@ -1873,7 +1873,7 @@
     </p:spTree>
     <p:extLst>
       <p:ext uri="{BB962C8B-B14F-4D97-AF65-F5344CB8AC3E}">
-        <p14:creationId xmlns:p14="http://schemas.microsoft.com/office/powerpoint/2010/main" val="4112827966"/>
+        <p14:creationId xmlns:p14="http://schemas.microsoft.com/office/powerpoint/2010/main" val="3167903413"/>
       </p:ext>
     </p:extLst>
   </p:cSld>
@@ -1905,7 +1905,7 @@
           <p:cNvPr id="2" name="标题 1">
             <a:extLst>
               <a:ext uri="{FF2B5EF4-FFF2-40B4-BE49-F238E27FC236}">
-                <a16:creationId xmlns:a16="http://schemas.microsoft.com/office/drawing/2014/main" id="{746D3D8A-E68B-44F4-F7E8-78D3AFA85E35}"/>
+                <a16:creationId xmlns:a16="http://schemas.microsoft.com/office/drawing/2014/main" id="{EC4CF805-2DBD-95BF-91D0-4728D08877F4}"/>
               </a:ext>
             </a:extLst>
           </p:cNvPr>
@@ -1933,7 +1933,7 @@
           <p:cNvPr id="3" name="日期占位符 2">
             <a:extLst>
               <a:ext uri="{FF2B5EF4-FFF2-40B4-BE49-F238E27FC236}">
-                <a16:creationId xmlns:a16="http://schemas.microsoft.com/office/drawing/2014/main" id="{1CCFB05C-E6E2-6350-FD1A-387B513BDEC1}"/>
+                <a16:creationId xmlns:a16="http://schemas.microsoft.com/office/drawing/2014/main" id="{12849791-D719-2506-E33A-4DC244D4C1EC}"/>
               </a:ext>
             </a:extLst>
           </p:cNvPr>
@@ -1949,7 +1949,7 @@
           <a:bodyPr/>
           <a:lstStyle/>
           <a:p>
-            <a:fld id="{6D244B19-B3D7-43DB-A334-6295B15DC812}" type="datetimeFigureOut">
+            <a:fld id="{20E80387-AA96-4737-AA8A-7B3E3AF98BED}" type="datetimeFigureOut">
               <a:rPr lang="zh-CN" altLang="en-US" smtClean="0"/>
               <a:t>2024/3/10</a:t>
             </a:fld>
@@ -1962,7 +1962,7 @@
           <p:cNvPr id="4" name="页脚占位符 3">
             <a:extLst>
               <a:ext uri="{FF2B5EF4-FFF2-40B4-BE49-F238E27FC236}">
-                <a16:creationId xmlns:a16="http://schemas.microsoft.com/office/drawing/2014/main" id="{8AB16EBB-676C-B8BA-3578-300E06D669BE}"/>
+                <a16:creationId xmlns:a16="http://schemas.microsoft.com/office/drawing/2014/main" id="{3FAD844D-22E4-46D2-6C08-13366FB6CCA5}"/>
               </a:ext>
             </a:extLst>
           </p:cNvPr>
@@ -1987,7 +1987,7 @@
           <p:cNvPr id="5" name="灯片编号占位符 4">
             <a:extLst>
               <a:ext uri="{FF2B5EF4-FFF2-40B4-BE49-F238E27FC236}">
-                <a16:creationId xmlns:a16="http://schemas.microsoft.com/office/drawing/2014/main" id="{646A90FA-CF53-5D9A-C1C3-45A5B42CB824}"/>
+                <a16:creationId xmlns:a16="http://schemas.microsoft.com/office/drawing/2014/main" id="{46AE2A52-2374-1EC9-BA02-6FDBB4BD7022}"/>
               </a:ext>
             </a:extLst>
           </p:cNvPr>
@@ -2003,7 +2003,7 @@
           <a:bodyPr/>
           <a:lstStyle/>
           <a:p>
-            <a:fld id="{34D09BDE-0D9C-4EBF-A954-450AC4B9FD87}" type="slidenum">
+            <a:fld id="{A7981518-0E9A-46FD-A02E-593A5BB1D7F2}" type="slidenum">
               <a:rPr lang="zh-CN" altLang="en-US" smtClean="0"/>
               <a:t>‹#›</a:t>
             </a:fld>
@@ -2014,7 +2014,7 @@
     </p:spTree>
     <p:extLst>
       <p:ext uri="{BB962C8B-B14F-4D97-AF65-F5344CB8AC3E}">
-        <p14:creationId xmlns:p14="http://schemas.microsoft.com/office/powerpoint/2010/main" val="2081715267"/>
+        <p14:creationId xmlns:p14="http://schemas.microsoft.com/office/powerpoint/2010/main" val="3846513352"/>
       </p:ext>
     </p:extLst>
   </p:cSld>
@@ -2046,7 +2046,7 @@
           <p:cNvPr id="2" name="日期占位符 1">
             <a:extLst>
               <a:ext uri="{FF2B5EF4-FFF2-40B4-BE49-F238E27FC236}">
-                <a16:creationId xmlns:a16="http://schemas.microsoft.com/office/drawing/2014/main" id="{5C027337-FA69-2BAC-06A1-590C00F3C1D2}"/>
+                <a16:creationId xmlns:a16="http://schemas.microsoft.com/office/drawing/2014/main" id="{26813202-7CCD-C92D-D7A5-5A4384024841}"/>
               </a:ext>
             </a:extLst>
           </p:cNvPr>
@@ -2062,7 +2062,7 @@
           <a:bodyPr/>
           <a:lstStyle/>
           <a:p>
-            <a:fld id="{6D244B19-B3D7-43DB-A334-6295B15DC812}" type="datetimeFigureOut">
+            <a:fld id="{20E80387-AA96-4737-AA8A-7B3E3AF98BED}" type="datetimeFigureOut">
               <a:rPr lang="zh-CN" altLang="en-US" smtClean="0"/>
               <a:t>2024/3/10</a:t>
             </a:fld>
@@ -2075,7 +2075,7 @@
           <p:cNvPr id="3" name="页脚占位符 2">
             <a:extLst>
               <a:ext uri="{FF2B5EF4-FFF2-40B4-BE49-F238E27FC236}">
-                <a16:creationId xmlns:a16="http://schemas.microsoft.com/office/drawing/2014/main" id="{AF4C518A-7605-32AD-FC12-D0D3335A6262}"/>
+                <a16:creationId xmlns:a16="http://schemas.microsoft.com/office/drawing/2014/main" id="{A0C93917-DE05-AB3F-E2B0-660E068500FC}"/>
               </a:ext>
             </a:extLst>
           </p:cNvPr>
@@ -2100,7 +2100,7 @@
           <p:cNvPr id="4" name="灯片编号占位符 3">
             <a:extLst>
               <a:ext uri="{FF2B5EF4-FFF2-40B4-BE49-F238E27FC236}">
-                <a16:creationId xmlns:a16="http://schemas.microsoft.com/office/drawing/2014/main" id="{70C7AED3-280F-D78D-9E8F-5F06F000CE55}"/>
+                <a16:creationId xmlns:a16="http://schemas.microsoft.com/office/drawing/2014/main" id="{C85304F2-4D36-C447-28A3-63EB50A4323D}"/>
               </a:ext>
             </a:extLst>
           </p:cNvPr>
@@ -2116,7 +2116,7 @@
           <a:bodyPr/>
           <a:lstStyle/>
           <a:p>
-            <a:fld id="{34D09BDE-0D9C-4EBF-A954-450AC4B9FD87}" type="slidenum">
+            <a:fld id="{A7981518-0E9A-46FD-A02E-593A5BB1D7F2}" type="slidenum">
               <a:rPr lang="zh-CN" altLang="en-US" smtClean="0"/>
               <a:t>‹#›</a:t>
             </a:fld>
@@ -2127,7 +2127,7 @@
     </p:spTree>
     <p:extLst>
       <p:ext uri="{BB962C8B-B14F-4D97-AF65-F5344CB8AC3E}">
-        <p14:creationId xmlns:p14="http://schemas.microsoft.com/office/powerpoint/2010/main" val="2254553064"/>
+        <p14:creationId xmlns:p14="http://schemas.microsoft.com/office/powerpoint/2010/main" val="138611179"/>
       </p:ext>
     </p:extLst>
   </p:cSld>
@@ -2159,7 +2159,7 @@
           <p:cNvPr id="2" name="标题 1">
             <a:extLst>
               <a:ext uri="{FF2B5EF4-FFF2-40B4-BE49-F238E27FC236}">
-                <a16:creationId xmlns:a16="http://schemas.microsoft.com/office/drawing/2014/main" id="{47E30569-7DB7-9CF0-9FFC-6B4F76C3F25F}"/>
+                <a16:creationId xmlns:a16="http://schemas.microsoft.com/office/drawing/2014/main" id="{DC1FBC42-F51A-1C62-9812-83E3A6F0D22A}"/>
               </a:ext>
             </a:extLst>
           </p:cNvPr>
@@ -2196,7 +2196,7 @@
           <p:cNvPr id="3" name="内容占位符 2">
             <a:extLst>
               <a:ext uri="{FF2B5EF4-FFF2-40B4-BE49-F238E27FC236}">
-                <a16:creationId xmlns:a16="http://schemas.microsoft.com/office/drawing/2014/main" id="{FE240079-4996-39B4-3A30-980AC7F4438F}"/>
+                <a16:creationId xmlns:a16="http://schemas.microsoft.com/office/drawing/2014/main" id="{2705124C-DD4E-0377-7295-2E698831B2BD}"/>
               </a:ext>
             </a:extLst>
           </p:cNvPr>
@@ -2286,7 +2286,7 @@
           <p:cNvPr id="4" name="文本占位符 3">
             <a:extLst>
               <a:ext uri="{FF2B5EF4-FFF2-40B4-BE49-F238E27FC236}">
-                <a16:creationId xmlns:a16="http://schemas.microsoft.com/office/drawing/2014/main" id="{BF3235D1-DDD5-7C44-5665-37CCAEC5DAF0}"/>
+                <a16:creationId xmlns:a16="http://schemas.microsoft.com/office/drawing/2014/main" id="{B6C2ED4C-3659-8EDA-0B3E-4087AD14A563}"/>
               </a:ext>
             </a:extLst>
           </p:cNvPr>
@@ -2357,7 +2357,7 @@
           <p:cNvPr id="5" name="日期占位符 4">
             <a:extLst>
               <a:ext uri="{FF2B5EF4-FFF2-40B4-BE49-F238E27FC236}">
-                <a16:creationId xmlns:a16="http://schemas.microsoft.com/office/drawing/2014/main" id="{755FA6BF-6E9D-A329-DF9F-D10B77648F00}"/>
+                <a16:creationId xmlns:a16="http://schemas.microsoft.com/office/drawing/2014/main" id="{2EA1EC73-0D4D-B8E6-78D7-9DD9037037E5}"/>
               </a:ext>
             </a:extLst>
           </p:cNvPr>
@@ -2373,7 +2373,7 @@
           <a:bodyPr/>
           <a:lstStyle/>
           <a:p>
-            <a:fld id="{6D244B19-B3D7-43DB-A334-6295B15DC812}" type="datetimeFigureOut">
+            <a:fld id="{20E80387-AA96-4737-AA8A-7B3E3AF98BED}" type="datetimeFigureOut">
               <a:rPr lang="zh-CN" altLang="en-US" smtClean="0"/>
               <a:t>2024/3/10</a:t>
             </a:fld>
@@ -2386,7 +2386,7 @@
           <p:cNvPr id="6" name="页脚占位符 5">
             <a:extLst>
               <a:ext uri="{FF2B5EF4-FFF2-40B4-BE49-F238E27FC236}">
-                <a16:creationId xmlns:a16="http://schemas.microsoft.com/office/drawing/2014/main" id="{AD5055EE-F82C-6C65-1F6B-53B6004E21F2}"/>
+                <a16:creationId xmlns:a16="http://schemas.microsoft.com/office/drawing/2014/main" id="{9D3599B6-7298-EFF6-6248-555887608350}"/>
               </a:ext>
             </a:extLst>
           </p:cNvPr>
@@ -2411,7 +2411,7 @@
           <p:cNvPr id="7" name="灯片编号占位符 6">
             <a:extLst>
               <a:ext uri="{FF2B5EF4-FFF2-40B4-BE49-F238E27FC236}">
-                <a16:creationId xmlns:a16="http://schemas.microsoft.com/office/drawing/2014/main" id="{B1AD0C29-FB08-379A-B1E7-3F46BBAB3675}"/>
+                <a16:creationId xmlns:a16="http://schemas.microsoft.com/office/drawing/2014/main" id="{6F63D83D-6719-21A5-AA1B-E12850564B20}"/>
               </a:ext>
             </a:extLst>
           </p:cNvPr>
@@ -2427,7 +2427,7 @@
           <a:bodyPr/>
           <a:lstStyle/>
           <a:p>
-            <a:fld id="{34D09BDE-0D9C-4EBF-A954-450AC4B9FD87}" type="slidenum">
+            <a:fld id="{A7981518-0E9A-46FD-A02E-593A5BB1D7F2}" type="slidenum">
               <a:rPr lang="zh-CN" altLang="en-US" smtClean="0"/>
               <a:t>‹#›</a:t>
             </a:fld>
@@ -2438,7 +2438,7 @@
     </p:spTree>
     <p:extLst>
       <p:ext uri="{BB962C8B-B14F-4D97-AF65-F5344CB8AC3E}">
-        <p14:creationId xmlns:p14="http://schemas.microsoft.com/office/powerpoint/2010/main" val="2486683499"/>
+        <p14:creationId xmlns:p14="http://schemas.microsoft.com/office/powerpoint/2010/main" val="776493092"/>
       </p:ext>
     </p:extLst>
   </p:cSld>
@@ -2470,7 +2470,7 @@
           <p:cNvPr id="2" name="标题 1">
             <a:extLst>
               <a:ext uri="{FF2B5EF4-FFF2-40B4-BE49-F238E27FC236}">
-                <a16:creationId xmlns:a16="http://schemas.microsoft.com/office/drawing/2014/main" id="{75D9D405-4E97-0E33-FF0E-5DEFB9D3F94A}"/>
+                <a16:creationId xmlns:a16="http://schemas.microsoft.com/office/drawing/2014/main" id="{BB096570-0328-120B-6B25-898C819140B4}"/>
               </a:ext>
             </a:extLst>
           </p:cNvPr>
@@ -2507,7 +2507,7 @@
           <p:cNvPr id="3" name="图片占位符 2">
             <a:extLst>
               <a:ext uri="{FF2B5EF4-FFF2-40B4-BE49-F238E27FC236}">
-                <a16:creationId xmlns:a16="http://schemas.microsoft.com/office/drawing/2014/main" id="{65489475-24C5-C8A0-AB04-474AB33A70ED}"/>
+                <a16:creationId xmlns:a16="http://schemas.microsoft.com/office/drawing/2014/main" id="{6BA45069-9516-6347-0BCC-FBC93BD8CCE8}"/>
               </a:ext>
             </a:extLst>
           </p:cNvPr>
@@ -2574,7 +2574,7 @@
           <p:cNvPr id="4" name="文本占位符 3">
             <a:extLst>
               <a:ext uri="{FF2B5EF4-FFF2-40B4-BE49-F238E27FC236}">
-                <a16:creationId xmlns:a16="http://schemas.microsoft.com/office/drawing/2014/main" id="{22AE25AF-B8F7-046F-C35B-25E07C091C2C}"/>
+                <a16:creationId xmlns:a16="http://schemas.microsoft.com/office/drawing/2014/main" id="{70828A19-5588-FE05-5DDC-578A1F490B5D}"/>
               </a:ext>
             </a:extLst>
           </p:cNvPr>
@@ -2645,7 +2645,7 @@
           <p:cNvPr id="5" name="日期占位符 4">
             <a:extLst>
               <a:ext uri="{FF2B5EF4-FFF2-40B4-BE49-F238E27FC236}">
-                <a16:creationId xmlns:a16="http://schemas.microsoft.com/office/drawing/2014/main" id="{6A436242-13F6-08AE-7C3D-271CA805A993}"/>
+                <a16:creationId xmlns:a16="http://schemas.microsoft.com/office/drawing/2014/main" id="{4A29FD2C-2D0B-AAC6-07FA-FCDDC260E580}"/>
               </a:ext>
             </a:extLst>
           </p:cNvPr>
@@ -2661,7 +2661,7 @@
           <a:bodyPr/>
           <a:lstStyle/>
           <a:p>
-            <a:fld id="{6D244B19-B3D7-43DB-A334-6295B15DC812}" type="datetimeFigureOut">
+            <a:fld id="{20E80387-AA96-4737-AA8A-7B3E3AF98BED}" type="datetimeFigureOut">
               <a:rPr lang="zh-CN" altLang="en-US" smtClean="0"/>
               <a:t>2024/3/10</a:t>
             </a:fld>
@@ -2674,7 +2674,7 @@
           <p:cNvPr id="6" name="页脚占位符 5">
             <a:extLst>
               <a:ext uri="{FF2B5EF4-FFF2-40B4-BE49-F238E27FC236}">
-                <a16:creationId xmlns:a16="http://schemas.microsoft.com/office/drawing/2014/main" id="{5CF43B8E-458E-2D45-729C-B3264C106DE3}"/>
+                <a16:creationId xmlns:a16="http://schemas.microsoft.com/office/drawing/2014/main" id="{013BFBA7-DC2E-B4D1-7F94-A75BC972F4F1}"/>
               </a:ext>
             </a:extLst>
           </p:cNvPr>
@@ -2699,7 +2699,7 @@
           <p:cNvPr id="7" name="灯片编号占位符 6">
             <a:extLst>
               <a:ext uri="{FF2B5EF4-FFF2-40B4-BE49-F238E27FC236}">
-                <a16:creationId xmlns:a16="http://schemas.microsoft.com/office/drawing/2014/main" id="{B06971B4-1BF8-39A3-2459-082F5BACAF18}"/>
+                <a16:creationId xmlns:a16="http://schemas.microsoft.com/office/drawing/2014/main" id="{AC399B47-3EA8-64A5-9CC7-D7564B7E2FDD}"/>
               </a:ext>
             </a:extLst>
           </p:cNvPr>
@@ -2715,7 +2715,7 @@
           <a:bodyPr/>
           <a:lstStyle/>
           <a:p>
-            <a:fld id="{34D09BDE-0D9C-4EBF-A954-450AC4B9FD87}" type="slidenum">
+            <a:fld id="{A7981518-0E9A-46FD-A02E-593A5BB1D7F2}" type="slidenum">
               <a:rPr lang="zh-CN" altLang="en-US" smtClean="0"/>
               <a:t>‹#›</a:t>
             </a:fld>
@@ -2726,7 +2726,7 @@
     </p:spTree>
     <p:extLst>
       <p:ext uri="{BB962C8B-B14F-4D97-AF65-F5344CB8AC3E}">
-        <p14:creationId xmlns:p14="http://schemas.microsoft.com/office/powerpoint/2010/main" val="3260111320"/>
+        <p14:creationId xmlns:p14="http://schemas.microsoft.com/office/powerpoint/2010/main" val="877206075"/>
       </p:ext>
     </p:extLst>
   </p:cSld>
@@ -2763,7 +2763,7 @@
           <p:cNvPr id="2" name="标题占位符 1">
             <a:extLst>
               <a:ext uri="{FF2B5EF4-FFF2-40B4-BE49-F238E27FC236}">
-                <a16:creationId xmlns:a16="http://schemas.microsoft.com/office/drawing/2014/main" id="{B4BB8E3A-14EC-8F43-4401-085CDFC9ADF6}"/>
+                <a16:creationId xmlns:a16="http://schemas.microsoft.com/office/drawing/2014/main" id="{EB90531E-0673-7F9D-F1CF-9C0515D0EF5E}"/>
               </a:ext>
             </a:extLst>
           </p:cNvPr>
@@ -2801,7 +2801,7 @@
           <p:cNvPr id="3" name="文本占位符 2">
             <a:extLst>
               <a:ext uri="{FF2B5EF4-FFF2-40B4-BE49-F238E27FC236}">
-                <a16:creationId xmlns:a16="http://schemas.microsoft.com/office/drawing/2014/main" id="{5D66C319-CF8F-5A70-DB33-5E3342D3D9C6}"/>
+                <a16:creationId xmlns:a16="http://schemas.microsoft.com/office/drawing/2014/main" id="{C88702F3-1DD0-9973-B10C-088B01BC6940}"/>
               </a:ext>
             </a:extLst>
           </p:cNvPr>
@@ -2868,7 +2868,7 @@
           <p:cNvPr id="4" name="日期占位符 3">
             <a:extLst>
               <a:ext uri="{FF2B5EF4-FFF2-40B4-BE49-F238E27FC236}">
-                <a16:creationId xmlns:a16="http://schemas.microsoft.com/office/drawing/2014/main" id="{840DCF3B-939D-E179-5D88-5DA4886F4D1F}"/>
+                <a16:creationId xmlns:a16="http://schemas.microsoft.com/office/drawing/2014/main" id="{FF4047BF-B986-DF37-9589-D47259A534D1}"/>
               </a:ext>
             </a:extLst>
           </p:cNvPr>
@@ -2902,7 +2902,7 @@
             </a:lvl1pPr>
           </a:lstStyle>
           <a:p>
-            <a:fld id="{6D244B19-B3D7-43DB-A334-6295B15DC812}" type="datetimeFigureOut">
+            <a:fld id="{20E80387-AA96-4737-AA8A-7B3E3AF98BED}" type="datetimeFigureOut">
               <a:rPr lang="zh-CN" altLang="en-US" smtClean="0"/>
               <a:t>2024/3/10</a:t>
             </a:fld>
@@ -2915,7 +2915,7 @@
           <p:cNvPr id="5" name="页脚占位符 4">
             <a:extLst>
               <a:ext uri="{FF2B5EF4-FFF2-40B4-BE49-F238E27FC236}">
-                <a16:creationId xmlns:a16="http://schemas.microsoft.com/office/drawing/2014/main" id="{A772D3D0-FB03-FAD1-B2FF-AF800742410C}"/>
+                <a16:creationId xmlns:a16="http://schemas.microsoft.com/office/drawing/2014/main" id="{C4BC5A19-3E05-F9B8-CEEF-432CDF0A81FB}"/>
               </a:ext>
             </a:extLst>
           </p:cNvPr>
@@ -2958,7 +2958,7 @@
           <p:cNvPr id="6" name="灯片编号占位符 5">
             <a:extLst>
               <a:ext uri="{FF2B5EF4-FFF2-40B4-BE49-F238E27FC236}">
-                <a16:creationId xmlns:a16="http://schemas.microsoft.com/office/drawing/2014/main" id="{B76D3A3F-AD1F-0E39-D873-5EB53A4ABB55}"/>
+                <a16:creationId xmlns:a16="http://schemas.microsoft.com/office/drawing/2014/main" id="{5A88F56F-9984-9338-AF5F-7950008E6780}"/>
               </a:ext>
             </a:extLst>
           </p:cNvPr>
@@ -2992,7 +2992,7 @@
             </a:lvl1pPr>
           </a:lstStyle>
           <a:p>
-            <a:fld id="{34D09BDE-0D9C-4EBF-A954-450AC4B9FD87}" type="slidenum">
+            <a:fld id="{A7981518-0E9A-46FD-A02E-593A5BB1D7F2}" type="slidenum">
               <a:rPr lang="zh-CN" altLang="en-US" smtClean="0"/>
               <a:t>‹#›</a:t>
             </a:fld>
@@ -3003,7 +3003,7 @@
     </p:spTree>
     <p:extLst>
       <p:ext uri="{BB962C8B-B14F-4D97-AF65-F5344CB8AC3E}">
-        <p14:creationId xmlns:p14="http://schemas.microsoft.com/office/powerpoint/2010/main" val="3945970587"/>
+        <p14:creationId xmlns:p14="http://schemas.microsoft.com/office/powerpoint/2010/main" val="2115449996"/>
       </p:ext>
     </p:extLst>
   </p:cSld>
